--- a/docs/diagrams/SDforDeleteMedicine.pptx
+++ b/docs/diagrams/SDforDeleteMedicine.pptx
@@ -208,7 +208,7 @@
           <a:p>
             <a:fld id="{F5CC4B3F-88C1-4FFA-B1B6-F41C21DC6924}" type="datetimeFigureOut">
               <a:rPr lang="en-US" smtClean="0"/>
-              <a:t>3/20/2019</a:t>
+              <a:t>4/15/2019</a:t>
             </a:fld>
             <a:endParaRPr lang="en-US"/>
           </a:p>
@@ -738,7 +738,7 @@
           <a:p>
             <a:fld id="{78C97017-6FC3-485B-9764-EAC9E56C1D49}" type="datetimeFigureOut">
               <a:rPr lang="en-US" smtClean="0"/>
-              <a:t>3/20/2019</a:t>
+              <a:t>4/15/2019</a:t>
             </a:fld>
             <a:endParaRPr lang="en-US"/>
           </a:p>
@@ -906,7 +906,7 @@
           <a:p>
             <a:fld id="{78C97017-6FC3-485B-9764-EAC9E56C1D49}" type="datetimeFigureOut">
               <a:rPr lang="en-US" smtClean="0"/>
-              <a:t>3/20/2019</a:t>
+              <a:t>4/15/2019</a:t>
             </a:fld>
             <a:endParaRPr lang="en-US"/>
           </a:p>
@@ -1084,7 +1084,7 @@
           <a:p>
             <a:fld id="{78C97017-6FC3-485B-9764-EAC9E56C1D49}" type="datetimeFigureOut">
               <a:rPr lang="en-US" smtClean="0"/>
-              <a:t>3/20/2019</a:t>
+              <a:t>4/15/2019</a:t>
             </a:fld>
             <a:endParaRPr lang="en-US"/>
           </a:p>
@@ -1252,7 +1252,7 @@
           <a:p>
             <a:fld id="{78C97017-6FC3-485B-9764-EAC9E56C1D49}" type="datetimeFigureOut">
               <a:rPr lang="en-US" smtClean="0"/>
-              <a:t>3/20/2019</a:t>
+              <a:t>4/15/2019</a:t>
             </a:fld>
             <a:endParaRPr lang="en-US"/>
           </a:p>
@@ -1497,7 +1497,7 @@
           <a:p>
             <a:fld id="{78C97017-6FC3-485B-9764-EAC9E56C1D49}" type="datetimeFigureOut">
               <a:rPr lang="en-US" smtClean="0"/>
-              <a:t>3/20/2019</a:t>
+              <a:t>4/15/2019</a:t>
             </a:fld>
             <a:endParaRPr lang="en-US"/>
           </a:p>
@@ -1782,7 +1782,7 @@
           <a:p>
             <a:fld id="{78C97017-6FC3-485B-9764-EAC9E56C1D49}" type="datetimeFigureOut">
               <a:rPr lang="en-US" smtClean="0"/>
-              <a:t>3/20/2019</a:t>
+              <a:t>4/15/2019</a:t>
             </a:fld>
             <a:endParaRPr lang="en-US"/>
           </a:p>
@@ -2201,7 +2201,7 @@
           <a:p>
             <a:fld id="{78C97017-6FC3-485B-9764-EAC9E56C1D49}" type="datetimeFigureOut">
               <a:rPr lang="en-US" smtClean="0"/>
-              <a:t>3/20/2019</a:t>
+              <a:t>4/15/2019</a:t>
             </a:fld>
             <a:endParaRPr lang="en-US"/>
           </a:p>
@@ -2318,7 +2318,7 @@
           <a:p>
             <a:fld id="{78C97017-6FC3-485B-9764-EAC9E56C1D49}" type="datetimeFigureOut">
               <a:rPr lang="en-US" smtClean="0"/>
-              <a:t>3/20/2019</a:t>
+              <a:t>4/15/2019</a:t>
             </a:fld>
             <a:endParaRPr lang="en-US"/>
           </a:p>
@@ -2413,7 +2413,7 @@
           <a:p>
             <a:fld id="{78C97017-6FC3-485B-9764-EAC9E56C1D49}" type="datetimeFigureOut">
               <a:rPr lang="en-US" smtClean="0"/>
-              <a:t>3/20/2019</a:t>
+              <a:t>4/15/2019</a:t>
             </a:fld>
             <a:endParaRPr lang="en-US"/>
           </a:p>
@@ -2688,7 +2688,7 @@
           <a:p>
             <a:fld id="{78C97017-6FC3-485B-9764-EAC9E56C1D49}" type="datetimeFigureOut">
               <a:rPr lang="en-US" smtClean="0"/>
-              <a:t>3/20/2019</a:t>
+              <a:t>4/15/2019</a:t>
             </a:fld>
             <a:endParaRPr lang="en-US"/>
           </a:p>
@@ -2940,7 +2940,7 @@
           <a:p>
             <a:fld id="{78C97017-6FC3-485B-9764-EAC9E56C1D49}" type="datetimeFigureOut">
               <a:rPr lang="en-US" smtClean="0"/>
-              <a:t>3/20/2019</a:t>
+              <a:t>4/15/2019</a:t>
             </a:fld>
             <a:endParaRPr lang="en-US"/>
           </a:p>
@@ -3151,7 +3151,7 @@
           <a:p>
             <a:fld id="{78C97017-6FC3-485B-9764-EAC9E56C1D49}" type="datetimeFigureOut">
               <a:rPr lang="en-US" smtClean="0"/>
-              <a:t>3/20/2019</a:t>
+              <a:t>4/15/2019</a:t>
             </a:fld>
             <a:endParaRPr lang="en-US"/>
           </a:p>
@@ -3624,57 +3624,6 @@
           </a:fontRef>
         </p:style>
       </p:cxnSp>
-      <p:sp>
-        <p:nvSpPr>
-          <p:cNvPr id="6" name="Rectangle 5"/>
-          <p:cNvSpPr/>
-          <p:nvPr/>
-        </p:nvSpPr>
-        <p:spPr>
-          <a:xfrm>
-            <a:off x="1807920" y="2777177"/>
-            <a:ext cx="152400" cy="1019910"/>
-          </a:xfrm>
-          <a:prstGeom prst="rect">
-            <a:avLst/>
-          </a:prstGeom>
-          <a:solidFill>
-            <a:srgbClr val="00B050"/>
-          </a:solidFill>
-          <a:ln>
-            <a:solidFill>
-              <a:srgbClr val="00B050"/>
-            </a:solidFill>
-          </a:ln>
-          <a:effectLst/>
-        </p:spPr>
-        <p:style>
-          <a:lnRef idx="1">
-            <a:schemeClr val="accent3"/>
-          </a:lnRef>
-          <a:fillRef idx="2">
-            <a:schemeClr val="accent3"/>
-          </a:fillRef>
-          <a:effectRef idx="1">
-            <a:schemeClr val="accent3"/>
-          </a:effectRef>
-          <a:fontRef idx="minor">
-            <a:schemeClr val="dk1"/>
-          </a:fontRef>
-        </p:style>
-        <p:txBody>
-          <a:bodyPr rtlCol="0" anchor="ctr"/>
-          <a:lstStyle/>
-          <a:p>
-            <a:pPr algn="ctr"/>
-            <a:endParaRPr lang="en-SG" sz="1400">
-              <a:solidFill>
-                <a:schemeClr val="dk1"/>
-              </a:solidFill>
-            </a:endParaRPr>
-          </a:p>
-        </p:txBody>
-      </p:sp>
       <p:grpSp>
         <p:nvGrpSpPr>
           <p:cNvPr id="7" name="Actor"/>
@@ -3992,57 +3941,6 @@
       </p:cxnSp>
       <p:sp>
         <p:nvSpPr>
-          <p:cNvPr id="18" name="Rectangle 17"/>
-          <p:cNvSpPr/>
-          <p:nvPr/>
-        </p:nvSpPr>
-        <p:spPr>
-          <a:xfrm>
-            <a:off x="4031643" y="2888362"/>
-            <a:ext cx="122019" cy="1045391"/>
-          </a:xfrm>
-          <a:prstGeom prst="rect">
-            <a:avLst/>
-          </a:prstGeom>
-          <a:solidFill>
-            <a:srgbClr val="0070C0"/>
-          </a:solidFill>
-          <a:ln>
-            <a:solidFill>
-              <a:srgbClr val="0070C0"/>
-            </a:solidFill>
-          </a:ln>
-          <a:effectLst/>
-        </p:spPr>
-        <p:style>
-          <a:lnRef idx="1">
-            <a:schemeClr val="accent3"/>
-          </a:lnRef>
-          <a:fillRef idx="2">
-            <a:schemeClr val="accent3"/>
-          </a:fillRef>
-          <a:effectRef idx="1">
-            <a:schemeClr val="accent3"/>
-          </a:effectRef>
-          <a:fontRef idx="minor">
-            <a:schemeClr val="dk1"/>
-          </a:fontRef>
-        </p:style>
-        <p:txBody>
-          <a:bodyPr rtlCol="0" anchor="ctr"/>
-          <a:lstStyle/>
-          <a:p>
-            <a:pPr algn="ctr"/>
-            <a:endParaRPr lang="en-SG" sz="1400">
-              <a:solidFill>
-                <a:schemeClr val="dk1"/>
-              </a:solidFill>
-            </a:endParaRPr>
-          </a:p>
-        </p:txBody>
-      </p:sp>
-      <p:sp>
-        <p:nvSpPr>
           <p:cNvPr id="19" name="Rectangle 62"/>
           <p:cNvSpPr/>
           <p:nvPr/>
@@ -4258,13 +4156,15 @@
       <p:cxnSp>
         <p:nvCxnSpPr>
           <p:cNvPr id="25" name="Straight Arrow Connector 24"/>
-          <p:cNvCxnSpPr/>
+          <p:cNvCxnSpPr>
+            <a:cxnSpLocks/>
+          </p:cNvCxnSpPr>
           <p:nvPr/>
         </p:nvCxnSpPr>
         <p:spPr>
-          <a:xfrm>
-            <a:off x="1960320" y="2888363"/>
-            <a:ext cx="2071323" cy="0"/>
+          <a:xfrm flipV="1">
+            <a:off x="1814677" y="2888364"/>
+            <a:ext cx="2216966" cy="10305"/>
           </a:xfrm>
           <a:prstGeom prst="straightConnector1">
             <a:avLst/>
@@ -4327,13 +4227,15 @@
       <p:cxnSp>
         <p:nvCxnSpPr>
           <p:cNvPr id="28" name="Straight Arrow Connector 27"/>
-          <p:cNvCxnSpPr/>
+          <p:cNvCxnSpPr>
+            <a:cxnSpLocks/>
+          </p:cNvCxnSpPr>
           <p:nvPr/>
         </p:nvCxnSpPr>
         <p:spPr>
           <a:xfrm>
-            <a:off x="4175659" y="2993294"/>
-            <a:ext cx="1837184" cy="0"/>
+            <a:off x="4031643" y="2993294"/>
+            <a:ext cx="1981200" cy="0"/>
           </a:xfrm>
           <a:prstGeom prst="straightConnector1">
             <a:avLst/>
@@ -4368,7 +4270,7 @@
         </p:nvSpPr>
         <p:spPr>
           <a:xfrm>
-            <a:off x="4521023" y="2997468"/>
+            <a:off x="4447558" y="2996981"/>
             <a:ext cx="1424846" cy="215444"/>
           </a:xfrm>
           <a:prstGeom prst="rect">
@@ -4404,13 +4306,16 @@
       <p:cxnSp>
         <p:nvCxnSpPr>
           <p:cNvPr id="34" name="Straight Arrow Connector 33"/>
-          <p:cNvCxnSpPr/>
+          <p:cNvCxnSpPr>
+            <a:cxnSpLocks/>
+            <a:endCxn id="21" idx="2"/>
+          </p:cNvCxnSpPr>
           <p:nvPr/>
         </p:nvCxnSpPr>
         <p:spPr>
-          <a:xfrm>
-            <a:off x="4175659" y="3348965"/>
-            <a:ext cx="1837184" cy="0"/>
+          <a:xfrm flipV="1">
+            <a:off x="4187897" y="3340054"/>
+            <a:ext cx="1885965" cy="8008"/>
           </a:xfrm>
           <a:prstGeom prst="straightConnector1">
             <a:avLst/>
@@ -4442,13 +4347,15 @@
       <p:cxnSp>
         <p:nvCxnSpPr>
           <p:cNvPr id="35" name="Straight Arrow Connector 34"/>
-          <p:cNvCxnSpPr/>
+          <p:cNvCxnSpPr>
+            <a:cxnSpLocks/>
+          </p:cNvCxnSpPr>
           <p:nvPr/>
         </p:nvCxnSpPr>
         <p:spPr>
           <a:xfrm>
-            <a:off x="1960320" y="3720887"/>
-            <a:ext cx="2058118" cy="0"/>
+            <a:off x="1946901" y="3934989"/>
+            <a:ext cx="2071536" cy="0"/>
           </a:xfrm>
           <a:prstGeom prst="straightConnector1">
             <a:avLst/>
@@ -4480,13 +4387,16 @@
       <p:cxnSp>
         <p:nvCxnSpPr>
           <p:cNvPr id="37" name="Straight Arrow Connector 36"/>
-          <p:cNvCxnSpPr/>
+          <p:cNvCxnSpPr>
+            <a:cxnSpLocks/>
+            <a:endCxn id="6" idx="2"/>
+          </p:cNvCxnSpPr>
           <p:nvPr/>
         </p:nvCxnSpPr>
         <p:spPr>
           <a:xfrm>
-            <a:off x="611869" y="3797087"/>
-            <a:ext cx="1196051" cy="0"/>
+            <a:off x="623079" y="4114797"/>
+            <a:ext cx="1254347" cy="1"/>
           </a:xfrm>
           <a:prstGeom prst="straightConnector1">
             <a:avLst/>
@@ -4627,8 +4537,8 @@
         </p:nvSpPr>
         <p:spPr>
           <a:xfrm>
-            <a:off x="7919650" y="3679125"/>
-            <a:ext cx="124478" cy="287409"/>
+            <a:off x="7899908" y="3509897"/>
+            <a:ext cx="124478" cy="300104"/>
           </a:xfrm>
           <a:prstGeom prst="rect">
             <a:avLst/>
@@ -4721,7 +4631,7 @@
         </p:nvGrpSpPr>
         <p:grpSpPr>
           <a:xfrm flipH="1">
-            <a:off x="8001000" y="3657600"/>
+            <a:off x="7981258" y="3501066"/>
             <a:ext cx="217349" cy="270072"/>
             <a:chOff x="1028134" y="5612032"/>
             <a:chExt cx="217349" cy="270072"/>
@@ -4884,7 +4794,7 @@
         </p:nvSpPr>
         <p:spPr>
           <a:xfrm>
-            <a:off x="8255365" y="3436085"/>
+            <a:off x="8235623" y="3279551"/>
             <a:ext cx="539047" cy="430887"/>
           </a:xfrm>
           <a:prstGeom prst="rect">
@@ -4946,7 +4856,7 @@
         </p:nvCxnSpPr>
         <p:spPr>
           <a:xfrm>
-            <a:off x="4173404" y="3686700"/>
+            <a:off x="4153662" y="3509896"/>
             <a:ext cx="3750584" cy="1"/>
           </a:xfrm>
           <a:prstGeom prst="straightConnector1">
@@ -4954,7 +4864,7 @@
           </a:prstGeom>
           <a:ln w="19050">
             <a:solidFill>
-              <a:srgbClr val="E46C0A"/>
+              <a:srgbClr val="0070C0"/>
             </a:solidFill>
             <a:tailEnd type="arrow"/>
           </a:ln>
@@ -4988,7 +4898,7 @@
         </p:nvSpPr>
         <p:spPr>
           <a:xfrm>
-            <a:off x="5077174" y="3709024"/>
+            <a:off x="5091567" y="3500321"/>
             <a:ext cx="2659870" cy="215444"/>
           </a:xfrm>
           <a:prstGeom prst="rect">
@@ -5005,9 +4915,7 @@
             <a:r>
               <a:rPr lang="en-US" sz="1400" dirty="0" err="1">
                 <a:solidFill>
-                  <a:schemeClr val="accent6">
-                    <a:lumMod val="75000"/>
-                  </a:schemeClr>
+                  <a:srgbClr val="E46C0A"/>
                 </a:solidFill>
               </a:rPr>
               <a:t>saveInventory</a:t>
@@ -5015,9 +4923,7 @@
             <a:r>
               <a:rPr lang="en-US" sz="1400" dirty="0">
                 <a:solidFill>
-                  <a:schemeClr val="accent6">
-                    <a:lumMod val="75000"/>
-                  </a:schemeClr>
+                  <a:srgbClr val="E46C0A"/>
                 </a:solidFill>
               </a:rPr>
               <a:t>(inventory)</a:t>
@@ -5025,6 +4931,154 @@
           </a:p>
         </p:txBody>
       </p:sp>
+      <p:sp>
+        <p:nvSpPr>
+          <p:cNvPr id="18" name="Rectangle 17"/>
+          <p:cNvSpPr/>
+          <p:nvPr/>
+        </p:nvSpPr>
+        <p:spPr>
+          <a:xfrm>
+            <a:off x="4021465" y="2883212"/>
+            <a:ext cx="166138" cy="1061373"/>
+          </a:xfrm>
+          <a:prstGeom prst="rect">
+            <a:avLst/>
+          </a:prstGeom>
+          <a:solidFill>
+            <a:srgbClr val="0070C0"/>
+          </a:solidFill>
+          <a:ln>
+            <a:solidFill>
+              <a:srgbClr val="0070C0"/>
+            </a:solidFill>
+          </a:ln>
+          <a:effectLst/>
+        </p:spPr>
+        <p:style>
+          <a:lnRef idx="1">
+            <a:schemeClr val="accent3"/>
+          </a:lnRef>
+          <a:fillRef idx="2">
+            <a:schemeClr val="accent3"/>
+          </a:fillRef>
+          <a:effectRef idx="1">
+            <a:schemeClr val="accent3"/>
+          </a:effectRef>
+          <a:fontRef idx="minor">
+            <a:schemeClr val="dk1"/>
+          </a:fontRef>
+        </p:style>
+        <p:txBody>
+          <a:bodyPr rtlCol="0" anchor="ctr"/>
+          <a:lstStyle/>
+          <a:p>
+            <a:pPr algn="ctr"/>
+            <a:endParaRPr lang="en-SG" sz="1400">
+              <a:solidFill>
+                <a:schemeClr val="dk1"/>
+              </a:solidFill>
+            </a:endParaRPr>
+          </a:p>
+        </p:txBody>
+      </p:sp>
+      <p:sp>
+        <p:nvSpPr>
+          <p:cNvPr id="6" name="Rectangle 5"/>
+          <p:cNvSpPr/>
+          <p:nvPr/>
+        </p:nvSpPr>
+        <p:spPr>
+          <a:xfrm>
+            <a:off x="1807950" y="2780865"/>
+            <a:ext cx="138951" cy="1333933"/>
+          </a:xfrm>
+          <a:prstGeom prst="rect">
+            <a:avLst/>
+          </a:prstGeom>
+          <a:solidFill>
+            <a:srgbClr val="00B050"/>
+          </a:solidFill>
+          <a:ln>
+            <a:solidFill>
+              <a:srgbClr val="00B050"/>
+            </a:solidFill>
+          </a:ln>
+          <a:effectLst/>
+        </p:spPr>
+        <p:style>
+          <a:lnRef idx="1">
+            <a:schemeClr val="accent3"/>
+          </a:lnRef>
+          <a:fillRef idx="2">
+            <a:schemeClr val="accent3"/>
+          </a:fillRef>
+          <a:effectRef idx="1">
+            <a:schemeClr val="accent3"/>
+          </a:effectRef>
+          <a:fontRef idx="minor">
+            <a:schemeClr val="dk1"/>
+          </a:fontRef>
+        </p:style>
+        <p:txBody>
+          <a:bodyPr rtlCol="0" anchor="ctr"/>
+          <a:lstStyle/>
+          <a:p>
+            <a:pPr algn="ctr"/>
+            <a:endParaRPr lang="en-SG" sz="1400">
+              <a:solidFill>
+                <a:schemeClr val="dk1"/>
+              </a:solidFill>
+            </a:endParaRPr>
+          </a:p>
+        </p:txBody>
+      </p:sp>
+      <p:cxnSp>
+        <p:nvCxnSpPr>
+          <p:cNvPr id="45" name="Straight Arrow Connector 44">
+            <a:extLst>
+              <a:ext uri="{FF2B5EF4-FFF2-40B4-BE49-F238E27FC236}">
+                <a16:creationId xmlns:a16="http://schemas.microsoft.com/office/drawing/2014/main" id="{58E8E2E4-0A21-4A53-AD00-70209E3CA13E}"/>
+              </a:ext>
+            </a:extLst>
+          </p:cNvPr>
+          <p:cNvCxnSpPr>
+            <a:cxnSpLocks/>
+          </p:cNvCxnSpPr>
+          <p:nvPr/>
+        </p:nvCxnSpPr>
+        <p:spPr>
+          <a:xfrm>
+            <a:off x="4187897" y="3810000"/>
+            <a:ext cx="3712011" cy="0"/>
+          </a:xfrm>
+          <a:prstGeom prst="straightConnector1">
+            <a:avLst/>
+          </a:prstGeom>
+          <a:ln w="19050">
+            <a:solidFill>
+              <a:srgbClr val="E46C0A"/>
+            </a:solidFill>
+            <a:prstDash val="sysDash"/>
+            <a:headEnd type="arrow" w="med" len="med"/>
+            <a:tailEnd type="none" w="med" len="med"/>
+          </a:ln>
+        </p:spPr>
+        <p:style>
+          <a:lnRef idx="1">
+            <a:schemeClr val="accent1"/>
+          </a:lnRef>
+          <a:fillRef idx="0">
+            <a:schemeClr val="accent1"/>
+          </a:fillRef>
+          <a:effectRef idx="0">
+            <a:schemeClr val="accent1"/>
+          </a:effectRef>
+          <a:fontRef idx="minor">
+            <a:schemeClr val="tx1"/>
+          </a:fontRef>
+        </p:style>
+      </p:cxnSp>
     </p:spTree>
     <p:extLst>
       <p:ext uri="{BB962C8B-B14F-4D97-AF65-F5344CB8AC3E}">
